--- a/Springの構造（簡易まとめ）.pptx
+++ b/Springの構造（簡易まとめ）.pptx
@@ -5,7 +5,7 @@
     <p:sldMasterId id="2147483648" r:id="rId4"/>
   </p:sldMasterIdLst>
   <p:notesMasterIdLst>
-    <p:notesMasterId r:id="rId22"/>
+    <p:notesMasterId r:id="rId23"/>
   </p:notesMasterIdLst>
   <p:sldIdLst>
     <p:sldId id="257" r:id="rId5"/>
@@ -25,6 +25,7 @@
     <p:sldId id="271" r:id="rId19"/>
     <p:sldId id="272" r:id="rId20"/>
     <p:sldId id="273" r:id="rId21"/>
+    <p:sldId id="274" r:id="rId22"/>
   </p:sldIdLst>
   <p:sldSz cx="12192000" cy="6858000"/>
   <p:notesSz cx="6858000" cy="9144000"/>
@@ -6486,6 +6487,372 @@
     <p:extLst>
       <p:ext uri="{BB962C8B-B14F-4D97-AF65-F5344CB8AC3E}">
         <p14:creationId xmlns:p14="http://schemas.microsoft.com/office/powerpoint/2010/main" val="955839182"/>
+      </p:ext>
+    </p:extLst>
+  </p:cSld>
+  <p:clrMapOvr>
+    <a:masterClrMapping/>
+  </p:clrMapOvr>
+</p:sld>
+</file>
+
+<file path=ppt/slides/slide18.xml><?xml version="1.0" encoding="utf-8"?>
+<p:sld xmlns:a="http://schemas.openxmlformats.org/drawingml/2006/main" xmlns:r="http://schemas.openxmlformats.org/officeDocument/2006/relationships" xmlns:p="http://schemas.openxmlformats.org/presentationml/2006/main">
+  <p:cSld>
+    <p:bg>
+      <p:bgPr>
+        <a:solidFill>
+          <a:schemeClr val="bg1"/>
+        </a:solidFill>
+        <a:effectLst/>
+      </p:bgPr>
+    </p:bg>
+    <p:spTree>
+      <p:nvGrpSpPr>
+        <p:cNvPr id="1" name=""/>
+        <p:cNvGrpSpPr/>
+        <p:nvPr/>
+      </p:nvGrpSpPr>
+      <p:grpSpPr>
+        <a:xfrm>
+          <a:off x="0" y="0"/>
+          <a:ext cx="0" cy="0"/>
+          <a:chOff x="0" y="0"/>
+          <a:chExt cx="0" cy="0"/>
+        </a:xfrm>
+      </p:grpSpPr>
+      <p:sp useBgFill="1">
+        <p:nvSpPr>
+          <p:cNvPr id="10" name="Rectangle 9">
+            <a:extLst>
+              <a:ext uri="{FF2B5EF4-FFF2-40B4-BE49-F238E27FC236}">
+                <a16:creationId xmlns:a16="http://schemas.microsoft.com/office/drawing/2014/main" id="{BA79A7CF-01AF-4178-9369-94E0C90EB046}"/>
+              </a:ext>
+              <a:ext uri="{C183D7F6-B498-43B3-948B-1728B52AA6E4}">
+                <adec:decorative xmlns:adec="http://schemas.microsoft.com/office/drawing/2017/decorative" val="1"/>
+              </a:ext>
+            </a:extLst>
+          </p:cNvPr>
+          <p:cNvSpPr>
+            <a:spLocks noGrp="1" noRot="1" noChangeAspect="1" noMove="1" noResize="1" noEditPoints="1" noAdjustHandles="1" noChangeArrowheads="1" noChangeShapeType="1" noTextEdit="1"/>
+          </p:cNvSpPr>
+          <p:nvPr>
+            <p:extLst>
+              <p:ext uri="{386F3935-93C4-4BCD-93E2-E3B085C9AB24}">
+                <p16:designElem xmlns:p16="http://schemas.microsoft.com/office/powerpoint/2015/main" val="1"/>
+              </p:ext>
+            </p:extLst>
+          </p:nvPr>
+        </p:nvSpPr>
+        <p:spPr>
+          <a:xfrm>
+            <a:off x="0" y="0"/>
+            <a:ext cx="12191999" cy="6857365"/>
+          </a:xfrm>
+          <a:prstGeom prst="rect">
+            <a:avLst/>
+          </a:prstGeom>
+          <a:ln>
+            <a:noFill/>
+          </a:ln>
+        </p:spPr>
+        <p:style>
+          <a:lnRef idx="2">
+            <a:schemeClr val="accent1">
+              <a:shade val="50000"/>
+            </a:schemeClr>
+          </a:lnRef>
+          <a:fillRef idx="1">
+            <a:schemeClr val="accent1"/>
+          </a:fillRef>
+          <a:effectRef idx="0">
+            <a:schemeClr val="accent1"/>
+          </a:effectRef>
+          <a:fontRef idx="minor">
+            <a:schemeClr val="lt1"/>
+          </a:fontRef>
+        </p:style>
+        <p:txBody>
+          <a:bodyPr rtlCol="0" anchor="ctr"/>
+          <a:lstStyle/>
+          <a:p>
+            <a:pPr algn="ctr"/>
+            <a:endParaRPr lang="en-US"/>
+          </a:p>
+        </p:txBody>
+      </p:sp>
+      <p:sp>
+        <p:nvSpPr>
+          <p:cNvPr id="2" name="タイトル 1">
+            <a:extLst>
+              <a:ext uri="{FF2B5EF4-FFF2-40B4-BE49-F238E27FC236}">
+                <a16:creationId xmlns:a16="http://schemas.microsoft.com/office/drawing/2014/main" id="{64DEC399-6AC3-798A-81F5-E09A10C5C1B2}"/>
+              </a:ext>
+            </a:extLst>
+          </p:cNvPr>
+          <p:cNvSpPr>
+            <a:spLocks noGrp="1"/>
+          </p:cNvSpPr>
+          <p:nvPr>
+            <p:ph type="title"/>
+          </p:nvPr>
+        </p:nvSpPr>
+        <p:spPr>
+          <a:xfrm>
+            <a:off x="9267909" y="2023110"/>
+            <a:ext cx="2469624" cy="2846070"/>
+          </a:xfrm>
+        </p:spPr>
+        <p:txBody>
+          <a:bodyPr vert="horz" lIns="91440" tIns="45720" rIns="91440" bIns="45720" rtlCol="0" anchor="ctr">
+            <a:normAutofit/>
+          </a:bodyPr>
+          <a:lstStyle/>
+          <a:p>
+            <a:r>
+              <a:rPr kumimoji="1" lang="ja-JP" altLang="en-US" sz="3700" kern="1200" dirty="0">
+                <a:solidFill>
+                  <a:schemeClr val="tx1"/>
+                </a:solidFill>
+                <a:latin typeface="+mj-lt"/>
+                <a:ea typeface="+mj-ea"/>
+                <a:cs typeface="+mj-cs"/>
+              </a:rPr>
+              <a:t>フレームワークで考え方は共通の場合が多い</a:t>
+            </a:r>
+          </a:p>
+        </p:txBody>
+      </p:sp>
+      <p:sp>
+        <p:nvSpPr>
+          <p:cNvPr id="12" name="Rectangle 11">
+            <a:extLst>
+              <a:ext uri="{FF2B5EF4-FFF2-40B4-BE49-F238E27FC236}">
+                <a16:creationId xmlns:a16="http://schemas.microsoft.com/office/drawing/2014/main" id="{99413ED5-9ED4-4772-BCE4-2BCAE6B12E35}"/>
+              </a:ext>
+              <a:ext uri="{C183D7F6-B498-43B3-948B-1728B52AA6E4}">
+                <adec:decorative xmlns:adec="http://schemas.microsoft.com/office/drawing/2017/decorative" val="1"/>
+              </a:ext>
+            </a:extLst>
+          </p:cNvPr>
+          <p:cNvSpPr>
+            <a:spLocks noGrp="1" noRot="1" noChangeAspect="1" noMove="1" noResize="1" noEditPoints="1" noAdjustHandles="1" noChangeArrowheads="1" noChangeShapeType="1" noTextEdit="1"/>
+          </p:cNvSpPr>
+          <p:nvPr>
+            <p:extLst>
+              <p:ext uri="{386F3935-93C4-4BCD-93E2-E3B085C9AB24}">
+                <p16:designElem xmlns:p16="http://schemas.microsoft.com/office/powerpoint/2015/main" val="1"/>
+              </p:ext>
+            </p:extLst>
+          </p:nvPr>
+        </p:nvSpPr>
+        <p:spPr>
+          <a:xfrm rot="16200000">
+            <a:off x="3433973" y="-827233"/>
+            <a:ext cx="1715478" cy="8583421"/>
+          </a:xfrm>
+          <a:prstGeom prst="rect">
+            <a:avLst/>
+          </a:prstGeom>
+          <a:solidFill>
+            <a:schemeClr val="accent4"/>
+          </a:solidFill>
+          <a:ln>
+            <a:noFill/>
+          </a:ln>
+        </p:spPr>
+        <p:style>
+          <a:lnRef idx="2">
+            <a:schemeClr val="accent1">
+              <a:shade val="50000"/>
+            </a:schemeClr>
+          </a:lnRef>
+          <a:fillRef idx="1">
+            <a:schemeClr val="accent1"/>
+          </a:fillRef>
+          <a:effectRef idx="0">
+            <a:schemeClr val="accent1"/>
+          </a:effectRef>
+          <a:fontRef idx="minor">
+            <a:schemeClr val="lt1"/>
+          </a:fontRef>
+        </p:style>
+        <p:txBody>
+          <a:bodyPr rtlCol="0" anchor="ctr"/>
+          <a:lstStyle/>
+          <a:p>
+            <a:pPr algn="ctr"/>
+            <a:endParaRPr lang="en-US" dirty="0"/>
+          </a:p>
+        </p:txBody>
+      </p:sp>
+      <p:sp>
+        <p:nvSpPr>
+          <p:cNvPr id="14" name="Rectangle 13">
+            <a:extLst>
+              <a:ext uri="{FF2B5EF4-FFF2-40B4-BE49-F238E27FC236}">
+                <a16:creationId xmlns:a16="http://schemas.microsoft.com/office/drawing/2014/main" id="{04357C93-F0CB-4A1C-8F77-4E9063789819}"/>
+              </a:ext>
+              <a:ext uri="{C183D7F6-B498-43B3-948B-1728B52AA6E4}">
+                <adec:decorative xmlns:adec="http://schemas.microsoft.com/office/drawing/2017/decorative" val="1"/>
+              </a:ext>
+            </a:extLst>
+          </p:cNvPr>
+          <p:cNvSpPr>
+            <a:spLocks noGrp="1" noRot="1" noChangeAspect="1" noMove="1" noResize="1" noEditPoints="1" noAdjustHandles="1" noChangeArrowheads="1" noChangeShapeType="1" noTextEdit="1"/>
+          </p:cNvSpPr>
+          <p:nvPr>
+            <p:extLst>
+              <p:ext uri="{386F3935-93C4-4BCD-93E2-E3B085C9AB24}">
+                <p16:designElem xmlns:p16="http://schemas.microsoft.com/office/powerpoint/2015/main" val="1"/>
+              </p:ext>
+            </p:extLst>
+          </p:nvPr>
+        </p:nvSpPr>
+        <p:spPr>
+          <a:xfrm>
+            <a:off x="302085" y="664308"/>
+            <a:ext cx="8082632" cy="5600340"/>
+          </a:xfrm>
+          <a:prstGeom prst="rect">
+            <a:avLst/>
+          </a:prstGeom>
+          <a:solidFill>
+            <a:schemeClr val="bg1"/>
+          </a:solidFill>
+          <a:ln>
+            <a:noFill/>
+          </a:ln>
+          <a:effectLst>
+            <a:outerShdw blurRad="139700" dist="127000" dir="5400000" algn="t" rotWithShape="0">
+              <a:prstClr val="black">
+                <a:alpha val="15000"/>
+              </a:prstClr>
+            </a:outerShdw>
+          </a:effectLst>
+        </p:spPr>
+        <p:style>
+          <a:lnRef idx="2">
+            <a:schemeClr val="accent1">
+              <a:shade val="50000"/>
+            </a:schemeClr>
+          </a:lnRef>
+          <a:fillRef idx="1">
+            <a:schemeClr val="accent1"/>
+          </a:fillRef>
+          <a:effectRef idx="0">
+            <a:schemeClr val="accent1"/>
+          </a:effectRef>
+          <a:fontRef idx="minor">
+            <a:schemeClr val="lt1"/>
+          </a:fontRef>
+        </p:style>
+        <p:txBody>
+          <a:bodyPr rtlCol="0" anchor="ctr"/>
+          <a:lstStyle/>
+          <a:p>
+            <a:pPr algn="ctr"/>
+            <a:endParaRPr lang="en-US"/>
+          </a:p>
+        </p:txBody>
+      </p:sp>
+      <p:pic>
+        <p:nvPicPr>
+          <p:cNvPr id="5" name="図 4">
+            <a:extLst>
+              <a:ext uri="{FF2B5EF4-FFF2-40B4-BE49-F238E27FC236}">
+                <a16:creationId xmlns:a16="http://schemas.microsoft.com/office/drawing/2014/main" id="{1800993D-1CC8-3DFE-BAE7-13C04598F23C}"/>
+              </a:ext>
+            </a:extLst>
+          </p:cNvPr>
+          <p:cNvPicPr>
+            <a:picLocks noChangeAspect="1"/>
+          </p:cNvPicPr>
+          <p:nvPr/>
+        </p:nvPicPr>
+        <p:blipFill>
+          <a:blip r:embed="rId2"/>
+          <a:stretch>
+            <a:fillRect/>
+          </a:stretch>
+        </p:blipFill>
+        <p:spPr>
+          <a:xfrm>
+            <a:off x="545238" y="1857224"/>
+            <a:ext cx="7608304" cy="3214508"/>
+          </a:xfrm>
+          <a:prstGeom prst="rect">
+            <a:avLst/>
+          </a:prstGeom>
+        </p:spPr>
+      </p:pic>
+      <p:sp>
+        <p:nvSpPr>
+          <p:cNvPr id="16" name="Rectangle 15">
+            <a:extLst>
+              <a:ext uri="{FF2B5EF4-FFF2-40B4-BE49-F238E27FC236}">
+                <a16:creationId xmlns:a16="http://schemas.microsoft.com/office/drawing/2014/main" id="{90F533E9-6690-41A8-A372-4C6C622D028D}"/>
+              </a:ext>
+              <a:ext uri="{C183D7F6-B498-43B3-948B-1728B52AA6E4}">
+                <adec:decorative xmlns:adec="http://schemas.microsoft.com/office/drawing/2017/decorative" val="1"/>
+              </a:ext>
+            </a:extLst>
+          </p:cNvPr>
+          <p:cNvSpPr>
+            <a:spLocks noGrp="1" noRot="1" noChangeAspect="1" noMove="1" noResize="1" noEditPoints="1" noAdjustHandles="1" noChangeArrowheads="1" noChangeShapeType="1" noTextEdit="1"/>
+          </p:cNvSpPr>
+          <p:nvPr>
+            <p:extLst>
+              <p:ext uri="{386F3935-93C4-4BCD-93E2-E3B085C9AB24}">
+                <p16:designElem xmlns:p16="http://schemas.microsoft.com/office/powerpoint/2015/main" val="1"/>
+              </p:ext>
+            </p:extLst>
+          </p:nvPr>
+        </p:nvSpPr>
+        <p:spPr>
+          <a:xfrm rot="5400000">
+            <a:off x="7950447" y="3392097"/>
+            <a:ext cx="1719072" cy="152382"/>
+          </a:xfrm>
+          <a:prstGeom prst="rect">
+            <a:avLst/>
+          </a:prstGeom>
+          <a:solidFill>
+            <a:schemeClr val="accent4"/>
+          </a:solidFill>
+          <a:ln>
+            <a:noFill/>
+          </a:ln>
+        </p:spPr>
+        <p:style>
+          <a:lnRef idx="2">
+            <a:schemeClr val="accent1">
+              <a:shade val="50000"/>
+            </a:schemeClr>
+          </a:lnRef>
+          <a:fillRef idx="1">
+            <a:schemeClr val="accent1"/>
+          </a:fillRef>
+          <a:effectRef idx="0">
+            <a:schemeClr val="accent1"/>
+          </a:effectRef>
+          <a:fontRef idx="minor">
+            <a:schemeClr val="lt1"/>
+          </a:fontRef>
+        </p:style>
+        <p:txBody>
+          <a:bodyPr rtlCol="0" anchor="ctr"/>
+          <a:lstStyle/>
+          <a:p>
+            <a:pPr algn="ctr"/>
+            <a:endParaRPr lang="en-US"/>
+          </a:p>
+        </p:txBody>
+      </p:sp>
+    </p:spTree>
+    <p:extLst>
+      <p:ext uri="{BB962C8B-B14F-4D97-AF65-F5344CB8AC3E}">
+        <p14:creationId xmlns:p14="http://schemas.microsoft.com/office/powerpoint/2010/main" val="2484761444"/>
       </p:ext>
     </p:extLst>
   </p:cSld>
@@ -13274,12 +13641,6 @@
 </file>
 
 <file path=customXml/item1.xml><?xml version="1.0" encoding="utf-8"?>
-<p:properties xmlns:p="http://schemas.microsoft.com/office/2006/metadata/properties" xmlns:xsi="http://www.w3.org/2001/XMLSchema-instance" xmlns:pc="http://schemas.microsoft.com/office/infopath/2007/PartnerControls">
-  <documentManagement/>
-</p:properties>
-</file>
-
-<file path=customXml/item2.xml><?xml version="1.0" encoding="utf-8"?>
 <ct:contentTypeSchema xmlns:ct="http://schemas.microsoft.com/office/2006/metadata/contentType" xmlns:ma="http://schemas.microsoft.com/office/2006/metadata/properties/metaAttributes" ct:_="" ma:_="" ma:contentTypeName="ドキュメント" ma:contentTypeID="0x010100D6BAE00443022B4CAFF4EE6441CFE7D2" ma:contentTypeVersion="5" ma:contentTypeDescription="新しいドキュメントを作成します。" ma:contentTypeScope="" ma:versionID="9e28fd90782f66914e1a35f52771bcfc">
   <xsd:schema xmlns:xsd="http://www.w3.org/2001/XMLSchema" xmlns:xs="http://www.w3.org/2001/XMLSchema" xmlns:p="http://schemas.microsoft.com/office/2006/metadata/properties" xmlns:ns3="f3de145d-d3cd-4cf2-9128-802554767736" targetNamespace="http://schemas.microsoft.com/office/2006/metadata/properties" ma:root="true" ma:fieldsID="f8ff299a6968b2b5619fb60dc9ec826b" ns3:_="">
     <xsd:import namespace="f3de145d-d3cd-4cf2-9128-802554767736"/>
@@ -13429,6 +13790,12 @@
 </ct:contentTypeSchema>
 </file>
 
+<file path=customXml/item2.xml><?xml version="1.0" encoding="utf-8"?>
+<p:properties xmlns:p="http://schemas.microsoft.com/office/2006/metadata/properties" xmlns:xsi="http://www.w3.org/2001/XMLSchema-instance" xmlns:pc="http://schemas.microsoft.com/office/infopath/2007/PartnerControls">
+  <documentManagement/>
+</p:properties>
+</file>
+
 <file path=customXml/item3.xml><?xml version="1.0" encoding="utf-8"?>
 <?mso-contentType ?>
 <FormTemplates xmlns="http://schemas.microsoft.com/sharepoint/v3/contenttype/forms">
@@ -13439,22 +13806,6 @@
 </file>
 
 <file path=customXml/itemProps1.xml><?xml version="1.0" encoding="utf-8"?>
-<ds:datastoreItem xmlns:ds="http://schemas.openxmlformats.org/officeDocument/2006/customXml" ds:itemID="{B910BA94-C1F8-4162-9742-C2AFA5023112}">
-  <ds:schemaRefs>
-    <ds:schemaRef ds:uri="http://purl.org/dc/elements/1.1/"/>
-    <ds:schemaRef ds:uri="http://schemas.microsoft.com/office/2006/metadata/properties"/>
-    <ds:schemaRef ds:uri="http://schemas.microsoft.com/office/2006/documentManagement/types"/>
-    <ds:schemaRef ds:uri="http://purl.org/dc/terms/"/>
-    <ds:schemaRef ds:uri="http://schemas.microsoft.com/office/infopath/2007/PartnerControls"/>
-    <ds:schemaRef ds:uri="http://schemas.openxmlformats.org/package/2006/metadata/core-properties"/>
-    <ds:schemaRef ds:uri="f3de145d-d3cd-4cf2-9128-802554767736"/>
-    <ds:schemaRef ds:uri="http://www.w3.org/XML/1998/namespace"/>
-    <ds:schemaRef ds:uri="http://purl.org/dc/dcmitype/"/>
-  </ds:schemaRefs>
-</ds:datastoreItem>
-</file>
-
-<file path=customXml/itemProps2.xml><?xml version="1.0" encoding="utf-8"?>
 <ds:datastoreItem xmlns:ds="http://schemas.openxmlformats.org/officeDocument/2006/customXml" ds:itemID="{AAAFD117-4F1E-4F46-A180-4AE2174D1775}">
   <ds:schemaRefs>
     <ds:schemaRef ds:uri="http://schemas.microsoft.com/office/2006/metadata/contentType"/>
@@ -13472,6 +13823,22 @@
 </ds:datastoreItem>
 </file>
 
+<file path=customXml/itemProps2.xml><?xml version="1.0" encoding="utf-8"?>
+<ds:datastoreItem xmlns:ds="http://schemas.openxmlformats.org/officeDocument/2006/customXml" ds:itemID="{B910BA94-C1F8-4162-9742-C2AFA5023112}">
+  <ds:schemaRefs>
+    <ds:schemaRef ds:uri="http://purl.org/dc/elements/1.1/"/>
+    <ds:schemaRef ds:uri="http://schemas.microsoft.com/office/2006/metadata/properties"/>
+    <ds:schemaRef ds:uri="http://schemas.microsoft.com/office/2006/documentManagement/types"/>
+    <ds:schemaRef ds:uri="http://purl.org/dc/terms/"/>
+    <ds:schemaRef ds:uri="http://schemas.microsoft.com/office/infopath/2007/PartnerControls"/>
+    <ds:schemaRef ds:uri="http://schemas.openxmlformats.org/package/2006/metadata/core-properties"/>
+    <ds:schemaRef ds:uri="f3de145d-d3cd-4cf2-9128-802554767736"/>
+    <ds:schemaRef ds:uri="http://www.w3.org/XML/1998/namespace"/>
+    <ds:schemaRef ds:uri="http://purl.org/dc/dcmitype/"/>
+  </ds:schemaRefs>
+</ds:datastoreItem>
+</file>
+
 <file path=customXml/itemProps3.xml><?xml version="1.0" encoding="utf-8"?>
 <ds:datastoreItem xmlns:ds="http://schemas.openxmlformats.org/officeDocument/2006/customXml" ds:itemID="{2A9E9562-A463-45FA-8DBB-9D28C240C582}">
   <ds:schemaRefs>
